--- a/431 - Send Forth Thy Light, O Zion.pptx
+++ b/431 - Send Forth Thy Light, O Zion.pptx
@@ -114,10 +114,6 @@
 </p:presentation>
 </file>
 
-<file path=ppt/revisionInfo.xml><?xml version="1.0" encoding="utf-8"?>
-<p1510:revInfo xmlns:a="http://schemas.openxmlformats.org/drawingml/2006/main" xmlns:r="http://schemas.openxmlformats.org/officeDocument/2006/relationships" xmlns:p1510="http://schemas.microsoft.com/office/powerpoint/2015/10/main"/>
-</file>
-
 <file path=ppt/slideLayouts/slideLayout1.xml><?xml version="1.0" encoding="utf-8"?>
 <p:sldLayout xmlns:a="http://schemas.openxmlformats.org/drawingml/2006/main" xmlns:r="http://schemas.openxmlformats.org/officeDocument/2006/relationships" xmlns:p="http://schemas.openxmlformats.org/presentationml/2006/main" type="title" preserve="1">
   <p:cSld name="Title Slide">
@@ -247,7 +243,7 @@
           <a:p>
             <a:fld id="{32F7251A-AE54-443C-B8FE-5F636E835EBF}" type="datetimeFigureOut">
               <a:rPr lang="en-US" smtClean="0"/>
-              <a:t>10/15/2017</a:t>
+              <a:t>7/12/2020</a:t>
             </a:fld>
             <a:endParaRPr lang="en-US"/>
           </a:p>
@@ -415,7 +411,7 @@
           <a:p>
             <a:fld id="{32F7251A-AE54-443C-B8FE-5F636E835EBF}" type="datetimeFigureOut">
               <a:rPr lang="en-US" smtClean="0"/>
-              <a:t>10/15/2017</a:t>
+              <a:t>7/12/2020</a:t>
             </a:fld>
             <a:endParaRPr lang="en-US"/>
           </a:p>
@@ -593,7 +589,7 @@
           <a:p>
             <a:fld id="{32F7251A-AE54-443C-B8FE-5F636E835EBF}" type="datetimeFigureOut">
               <a:rPr lang="en-US" smtClean="0"/>
-              <a:t>10/15/2017</a:t>
+              <a:t>7/12/2020</a:t>
             </a:fld>
             <a:endParaRPr lang="en-US"/>
           </a:p>
@@ -761,7 +757,7 @@
           <a:p>
             <a:fld id="{32F7251A-AE54-443C-B8FE-5F636E835EBF}" type="datetimeFigureOut">
               <a:rPr lang="en-US" smtClean="0"/>
-              <a:t>10/15/2017</a:t>
+              <a:t>7/12/2020</a:t>
             </a:fld>
             <a:endParaRPr lang="en-US"/>
           </a:p>
@@ -1006,7 +1002,7 @@
           <a:p>
             <a:fld id="{32F7251A-AE54-443C-B8FE-5F636E835EBF}" type="datetimeFigureOut">
               <a:rPr lang="en-US" smtClean="0"/>
-              <a:t>10/15/2017</a:t>
+              <a:t>7/12/2020</a:t>
             </a:fld>
             <a:endParaRPr lang="en-US"/>
           </a:p>
@@ -1235,7 +1231,7 @@
           <a:p>
             <a:fld id="{32F7251A-AE54-443C-B8FE-5F636E835EBF}" type="datetimeFigureOut">
               <a:rPr lang="en-US" smtClean="0"/>
-              <a:t>10/15/2017</a:t>
+              <a:t>7/12/2020</a:t>
             </a:fld>
             <a:endParaRPr lang="en-US"/>
           </a:p>
@@ -1599,7 +1595,7 @@
           <a:p>
             <a:fld id="{32F7251A-AE54-443C-B8FE-5F636E835EBF}" type="datetimeFigureOut">
               <a:rPr lang="en-US" smtClean="0"/>
-              <a:t>10/15/2017</a:t>
+              <a:t>7/12/2020</a:t>
             </a:fld>
             <a:endParaRPr lang="en-US"/>
           </a:p>
@@ -1716,7 +1712,7 @@
           <a:p>
             <a:fld id="{32F7251A-AE54-443C-B8FE-5F636E835EBF}" type="datetimeFigureOut">
               <a:rPr lang="en-US" smtClean="0"/>
-              <a:t>10/15/2017</a:t>
+              <a:t>7/12/2020</a:t>
             </a:fld>
             <a:endParaRPr lang="en-US"/>
           </a:p>
@@ -1811,7 +1807,7 @@
           <a:p>
             <a:fld id="{32F7251A-AE54-443C-B8FE-5F636E835EBF}" type="datetimeFigureOut">
               <a:rPr lang="en-US" smtClean="0"/>
-              <a:t>10/15/2017</a:t>
+              <a:t>7/12/2020</a:t>
             </a:fld>
             <a:endParaRPr lang="en-US"/>
           </a:p>
@@ -2086,7 +2082,7 @@
           <a:p>
             <a:fld id="{32F7251A-AE54-443C-B8FE-5F636E835EBF}" type="datetimeFigureOut">
               <a:rPr lang="en-US" smtClean="0"/>
-              <a:t>10/15/2017</a:t>
+              <a:t>7/12/2020</a:t>
             </a:fld>
             <a:endParaRPr lang="en-US"/>
           </a:p>
@@ -2338,7 +2334,7 @@
           <a:p>
             <a:fld id="{32F7251A-AE54-443C-B8FE-5F636E835EBF}" type="datetimeFigureOut">
               <a:rPr lang="en-US" smtClean="0"/>
-              <a:t>10/15/2017</a:t>
+              <a:t>7/12/2020</a:t>
             </a:fld>
             <a:endParaRPr lang="en-US"/>
           </a:p>
@@ -2405,7 +2401,9 @@
     <p:bg>
       <p:bgPr>
         <a:solidFill>
-          <a:srgbClr val="333333"/>
+          <a:schemeClr val="bg1">
+            <a:lumMod val="10000"/>
+          </a:schemeClr>
         </a:solidFill>
         <a:effectLst/>
       </p:bgPr>
@@ -2552,7 +2550,7 @@
           <a:p>
             <a:fld id="{32F7251A-AE54-443C-B8FE-5F636E835EBF}" type="datetimeFigureOut">
               <a:rPr lang="en-US" smtClean="0"/>
-              <a:t>10/15/2017</a:t>
+              <a:t>7/12/2020</a:t>
             </a:fld>
             <a:endParaRPr lang="en-US"/>
           </a:p>
@@ -3022,8 +3020,8 @@
         </p:nvSpPr>
         <p:spPr>
           <a:xfrm>
-            <a:off x="0" y="5804209"/>
-            <a:ext cx="12192000" cy="830997"/>
+            <a:off x="0" y="5927320"/>
+            <a:ext cx="12192000" cy="584775"/>
           </a:xfrm>
           <a:prstGeom prst="rect">
             <a:avLst/>
@@ -3038,10 +3036,12 @@
           <a:p>
             <a:pPr algn="ctr"/>
             <a:r>
-              <a:rPr lang="en-US" sz="4800" dirty="0">
+              <a:rPr lang="en-US" sz="3200" u="sng" dirty="0">
                 <a:solidFill>
                   <a:schemeClr val="bg1"/>
                 </a:solidFill>
+                <a:latin typeface="Assistant SemiBold" panose="00000700000000000000" pitchFamily="2" charset="-79"/>
+                <a:cs typeface="Assistant SemiBold" panose="00000700000000000000" pitchFamily="2" charset="-79"/>
               </a:rPr>
               <a:t>“Send Forth Thy Light, O Zion!”</a:t>
             </a:r>
@@ -3056,8 +3056,8 @@
         </p:nvSpPr>
         <p:spPr>
           <a:xfrm>
-            <a:off x="0" y="315370"/>
-            <a:ext cx="12192000" cy="5078313"/>
+            <a:off x="0" y="729571"/>
+            <a:ext cx="12192000" cy="3970318"/>
           </a:xfrm>
           <a:prstGeom prst="rect">
             <a:avLst/>
@@ -3072,10 +3072,12 @@
           <a:p>
             <a:pPr algn="ctr"/>
             <a:r>
-              <a:rPr lang="en-US" sz="3600" dirty="0">
+              <a:rPr lang="en-US" sz="2800" spc="50" dirty="0">
                 <a:solidFill>
                   <a:schemeClr val="bg1"/>
                 </a:solidFill>
+                <a:latin typeface="Assistant" panose="00000500000000000000" pitchFamily="2" charset="-79"/>
+                <a:cs typeface="Assistant" panose="00000500000000000000" pitchFamily="2" charset="-79"/>
               </a:rPr>
               <a:t>Send forth thy light, O Zion!</a:t>
             </a:r>
@@ -3083,10 +3085,12 @@
           <a:p>
             <a:pPr algn="ctr"/>
             <a:r>
-              <a:rPr lang="en-US" sz="3600" dirty="0">
+              <a:rPr lang="en-US" sz="2800" spc="50" dirty="0">
                 <a:solidFill>
                   <a:schemeClr val="bg1"/>
                 </a:solidFill>
+                <a:latin typeface="Assistant" panose="00000500000000000000" pitchFamily="2" charset="-79"/>
+                <a:cs typeface="Assistant" panose="00000500000000000000" pitchFamily="2" charset="-79"/>
               </a:rPr>
               <a:t>Out from thy towers shall go</a:t>
             </a:r>
@@ -3094,10 +3098,12 @@
           <a:p>
             <a:pPr algn="ctr"/>
             <a:r>
-              <a:rPr lang="en-US" sz="3600" dirty="0">
+              <a:rPr lang="en-US" sz="2800" spc="50" dirty="0">
                 <a:solidFill>
                   <a:schemeClr val="bg1"/>
                 </a:solidFill>
+                <a:latin typeface="Assistant" panose="00000500000000000000" pitchFamily="2" charset="-79"/>
+                <a:cs typeface="Assistant" panose="00000500000000000000" pitchFamily="2" charset="-79"/>
               </a:rPr>
               <a:t>The radiant beams a people</a:t>
             </a:r>
@@ -3105,37 +3111,45 @@
           <a:p>
             <a:pPr algn="ctr"/>
             <a:r>
-              <a:rPr lang="en-US" sz="3600" dirty="0">
+              <a:rPr lang="en-US" sz="2800" spc="50" dirty="0">
                 <a:solidFill>
                   <a:schemeClr val="bg1"/>
                 </a:solidFill>
+                <a:latin typeface="Assistant" panose="00000500000000000000" pitchFamily="2" charset="-79"/>
+                <a:cs typeface="Assistant" panose="00000500000000000000" pitchFamily="2" charset="-79"/>
               </a:rPr>
               <a:t>In tune with God can know.</a:t>
             </a:r>
           </a:p>
           <a:p>
             <a:pPr algn="ctr"/>
-            <a:endParaRPr lang="en-US" sz="3600" dirty="0">
+            <a:endParaRPr lang="en-US" sz="2800" spc="50" dirty="0">
               <a:solidFill>
                 <a:schemeClr val="bg1"/>
               </a:solidFill>
+              <a:latin typeface="Assistant" panose="00000500000000000000" pitchFamily="2" charset="-79"/>
+              <a:cs typeface="Assistant" panose="00000500000000000000" pitchFamily="2" charset="-79"/>
             </a:endParaRPr>
           </a:p>
           <a:p>
             <a:pPr algn="ctr"/>
             <a:r>
-              <a:rPr lang="en-US" sz="3600" dirty="0" err="1">
+              <a:rPr lang="en-US" sz="2800" spc="50" dirty="0" err="1">
                 <a:solidFill>
                   <a:schemeClr val="bg1"/>
                 </a:solidFill>
+                <a:latin typeface="Assistant" panose="00000500000000000000" pitchFamily="2" charset="-79"/>
+                <a:cs typeface="Assistant" panose="00000500000000000000" pitchFamily="2" charset="-79"/>
               </a:rPr>
               <a:t>Upborne</a:t>
             </a:r>
             <a:r>
-              <a:rPr lang="en-US" sz="3600" dirty="0">
+              <a:rPr lang="en-US" sz="2800" spc="50" dirty="0">
                 <a:solidFill>
                   <a:schemeClr val="bg1"/>
                 </a:solidFill>
+                <a:latin typeface="Assistant" panose="00000500000000000000" pitchFamily="2" charset="-79"/>
+                <a:cs typeface="Assistant" panose="00000500000000000000" pitchFamily="2" charset="-79"/>
               </a:rPr>
               <a:t> by higher concepts</a:t>
             </a:r>
@@ -3143,10 +3157,12 @@
           <a:p>
             <a:pPr algn="ctr"/>
             <a:r>
-              <a:rPr lang="en-US" sz="3600" dirty="0">
+              <a:rPr lang="en-US" sz="2800" spc="50" dirty="0">
                 <a:solidFill>
                   <a:schemeClr val="bg1"/>
                 </a:solidFill>
+                <a:latin typeface="Assistant" panose="00000500000000000000" pitchFamily="2" charset="-79"/>
+                <a:cs typeface="Assistant" panose="00000500000000000000" pitchFamily="2" charset="-79"/>
               </a:rPr>
               <a:t>Of God’s eternal plan,</a:t>
             </a:r>
@@ -3154,10 +3170,12 @@
           <a:p>
             <a:pPr algn="ctr"/>
             <a:r>
-              <a:rPr lang="en-US" sz="3600" dirty="0">
+              <a:rPr lang="en-US" sz="2800" spc="50" dirty="0">
                 <a:solidFill>
                   <a:schemeClr val="bg1"/>
                 </a:solidFill>
+                <a:latin typeface="Assistant" panose="00000500000000000000" pitchFamily="2" charset="-79"/>
+                <a:cs typeface="Assistant" panose="00000500000000000000" pitchFamily="2" charset="-79"/>
               </a:rPr>
               <a:t>Let shine afar the guidelights,</a:t>
             </a:r>
@@ -3165,10 +3183,12 @@
           <a:p>
             <a:pPr algn="ctr"/>
             <a:r>
-              <a:rPr lang="en-US" sz="3600" dirty="0">
+              <a:rPr lang="en-US" sz="2800" spc="50" dirty="0">
                 <a:solidFill>
                   <a:schemeClr val="bg1"/>
                 </a:solidFill>
+                <a:latin typeface="Assistant" panose="00000500000000000000" pitchFamily="2" charset="-79"/>
+                <a:cs typeface="Assistant" panose="00000500000000000000" pitchFamily="2" charset="-79"/>
               </a:rPr>
               <a:t>Revealing God to man.</a:t>
             </a:r>
@@ -3270,8 +3290,8 @@
         </p:nvSpPr>
         <p:spPr>
           <a:xfrm>
-            <a:off x="0" y="5804209"/>
-            <a:ext cx="12192000" cy="830997"/>
+            <a:off x="0" y="5927320"/>
+            <a:ext cx="12192000" cy="584775"/>
           </a:xfrm>
           <a:prstGeom prst="rect">
             <a:avLst/>
@@ -3286,10 +3306,12 @@
           <a:p>
             <a:pPr algn="ctr"/>
             <a:r>
-              <a:rPr lang="en-US" sz="4800" dirty="0">
+              <a:rPr lang="en-US" sz="3200" u="sng" dirty="0">
                 <a:solidFill>
                   <a:schemeClr val="bg1"/>
                 </a:solidFill>
+                <a:latin typeface="Assistant SemiBold" panose="00000700000000000000" pitchFamily="2" charset="-79"/>
+                <a:cs typeface="Assistant SemiBold" panose="00000700000000000000" pitchFamily="2" charset="-79"/>
               </a:rPr>
               <a:t>“Send Forth Thy Light, O Zion!”</a:t>
             </a:r>
@@ -3304,8 +3326,8 @@
         </p:nvSpPr>
         <p:spPr>
           <a:xfrm>
-            <a:off x="0" y="315370"/>
-            <a:ext cx="12192000" cy="5078313"/>
+            <a:off x="0" y="729571"/>
+            <a:ext cx="12192000" cy="3970318"/>
           </a:xfrm>
           <a:prstGeom prst="rect">
             <a:avLst/>
@@ -3320,10 +3342,12 @@
           <a:p>
             <a:pPr algn="ctr"/>
             <a:r>
-              <a:rPr lang="en-US" sz="3600" dirty="0">
+              <a:rPr lang="en-US" sz="2800" spc="50" dirty="0">
                 <a:solidFill>
                   <a:schemeClr val="bg1"/>
                 </a:solidFill>
+                <a:latin typeface="Assistant" panose="00000500000000000000" pitchFamily="2" charset="-79"/>
+                <a:cs typeface="Assistant" panose="00000500000000000000" pitchFamily="2" charset="-79"/>
               </a:rPr>
               <a:t>Send forth thy love, O Zion!</a:t>
             </a:r>
@@ -3331,10 +3355,12 @@
           <a:p>
             <a:pPr algn="ctr"/>
             <a:r>
-              <a:rPr lang="en-US" sz="3600" dirty="0">
+              <a:rPr lang="en-US" sz="2800" spc="50" dirty="0">
                 <a:solidFill>
                   <a:schemeClr val="bg1"/>
                 </a:solidFill>
+                <a:latin typeface="Assistant" panose="00000500000000000000" pitchFamily="2" charset="-79"/>
+                <a:cs typeface="Assistant" panose="00000500000000000000" pitchFamily="2" charset="-79"/>
               </a:rPr>
               <a:t>Thou hast been called apart</a:t>
             </a:r>
@@ -3342,10 +3368,12 @@
           <a:p>
             <a:pPr algn="ctr"/>
             <a:r>
-              <a:rPr lang="en-US" sz="3600" dirty="0">
+              <a:rPr lang="en-US" sz="2800" spc="50" dirty="0">
                 <a:solidFill>
                   <a:schemeClr val="bg1"/>
                 </a:solidFill>
+                <a:latin typeface="Assistant" panose="00000500000000000000" pitchFamily="2" charset="-79"/>
+                <a:cs typeface="Assistant" panose="00000500000000000000" pitchFamily="2" charset="-79"/>
               </a:rPr>
               <a:t>To make on earth incarnate</a:t>
             </a:r>
@@ -3353,29 +3381,35 @@
           <a:p>
             <a:pPr algn="ctr"/>
             <a:r>
-              <a:rPr lang="en-US" sz="3600" dirty="0">
+              <a:rPr lang="en-US" sz="2800" spc="50" dirty="0">
                 <a:solidFill>
                   <a:schemeClr val="bg1"/>
                 </a:solidFill>
+                <a:latin typeface="Assistant" panose="00000500000000000000" pitchFamily="2" charset="-79"/>
+                <a:cs typeface="Assistant" panose="00000500000000000000" pitchFamily="2" charset="-79"/>
               </a:rPr>
               <a:t>The love in God’s own heart,</a:t>
             </a:r>
           </a:p>
           <a:p>
             <a:pPr algn="ctr"/>
-            <a:endParaRPr lang="en-US" sz="3600" dirty="0">
+            <a:endParaRPr lang="en-US" sz="2800" spc="50" dirty="0">
               <a:solidFill>
                 <a:schemeClr val="bg1"/>
               </a:solidFill>
+              <a:latin typeface="Assistant" panose="00000500000000000000" pitchFamily="2" charset="-79"/>
+              <a:cs typeface="Assistant" panose="00000500000000000000" pitchFamily="2" charset="-79"/>
             </a:endParaRPr>
           </a:p>
           <a:p>
             <a:pPr algn="ctr"/>
             <a:r>
-              <a:rPr lang="en-US" sz="3600" dirty="0">
+              <a:rPr lang="en-US" sz="2800" spc="50" dirty="0">
                 <a:solidFill>
                   <a:schemeClr val="bg1"/>
                 </a:solidFill>
+                <a:latin typeface="Assistant" panose="00000500000000000000" pitchFamily="2" charset="-79"/>
+                <a:cs typeface="Assistant" panose="00000500000000000000" pitchFamily="2" charset="-79"/>
               </a:rPr>
               <a:t>For only saints outreaching</a:t>
             </a:r>
@@ -3383,10 +3417,12 @@
           <a:p>
             <a:pPr algn="ctr"/>
             <a:r>
-              <a:rPr lang="en-US" sz="3600" dirty="0">
+              <a:rPr lang="en-US" sz="2800" spc="50" dirty="0">
                 <a:solidFill>
                   <a:schemeClr val="bg1"/>
                 </a:solidFill>
+                <a:latin typeface="Assistant" panose="00000500000000000000" pitchFamily="2" charset="-79"/>
+                <a:cs typeface="Assistant" panose="00000500000000000000" pitchFamily="2" charset="-79"/>
               </a:rPr>
               <a:t>To those their lives can bless</a:t>
             </a:r>
@@ -3394,10 +3430,12 @@
           <a:p>
             <a:pPr algn="ctr"/>
             <a:r>
-              <a:rPr lang="en-US" sz="3600" dirty="0">
+              <a:rPr lang="en-US" sz="2800" spc="50" dirty="0">
                 <a:solidFill>
                   <a:schemeClr val="bg1"/>
                 </a:solidFill>
+                <a:latin typeface="Assistant" panose="00000500000000000000" pitchFamily="2" charset="-79"/>
+                <a:cs typeface="Assistant" panose="00000500000000000000" pitchFamily="2" charset="-79"/>
               </a:rPr>
               <a:t>Shall dwell in the protection</a:t>
             </a:r>
@@ -3405,10 +3443,12 @@
           <a:p>
             <a:pPr algn="ctr"/>
             <a:r>
-              <a:rPr lang="en-US" sz="3600" dirty="0">
+              <a:rPr lang="en-US" sz="2800" spc="50" dirty="0">
                 <a:solidFill>
                   <a:schemeClr val="bg1"/>
                 </a:solidFill>
+                <a:latin typeface="Assistant" panose="00000500000000000000" pitchFamily="2" charset="-79"/>
+                <a:cs typeface="Assistant" panose="00000500000000000000" pitchFamily="2" charset="-79"/>
               </a:rPr>
               <a:t>Of Zion’s holiness.</a:t>
             </a:r>
@@ -3510,8 +3550,8 @@
         </p:nvSpPr>
         <p:spPr>
           <a:xfrm>
-            <a:off x="0" y="5804209"/>
-            <a:ext cx="12192000" cy="830997"/>
+            <a:off x="0" y="5927320"/>
+            <a:ext cx="12192000" cy="584775"/>
           </a:xfrm>
           <a:prstGeom prst="rect">
             <a:avLst/>
@@ -3526,10 +3566,12 @@
           <a:p>
             <a:pPr algn="ctr"/>
             <a:r>
-              <a:rPr lang="en-US" sz="4800" dirty="0">
+              <a:rPr lang="en-US" sz="3200" u="sng" dirty="0">
                 <a:solidFill>
                   <a:schemeClr val="bg1"/>
                 </a:solidFill>
+                <a:latin typeface="Assistant SemiBold" panose="00000700000000000000" pitchFamily="2" charset="-79"/>
+                <a:cs typeface="Assistant SemiBold" panose="00000700000000000000" pitchFamily="2" charset="-79"/>
               </a:rPr>
               <a:t>“Send Forth Thy Light, O Zion!”</a:t>
             </a:r>
@@ -3544,8 +3586,8 @@
         </p:nvSpPr>
         <p:spPr>
           <a:xfrm>
-            <a:off x="0" y="315370"/>
-            <a:ext cx="12192000" cy="5078313"/>
+            <a:off x="0" y="729571"/>
+            <a:ext cx="12192000" cy="3970318"/>
           </a:xfrm>
           <a:prstGeom prst="rect">
             <a:avLst/>
@@ -3560,10 +3602,12 @@
           <a:p>
             <a:pPr algn="ctr"/>
             <a:r>
-              <a:rPr lang="en-US" sz="3600" dirty="0">
+              <a:rPr lang="en-US" sz="2800" spc="50" dirty="0">
                 <a:solidFill>
                   <a:schemeClr val="bg1"/>
                 </a:solidFill>
+                <a:latin typeface="Assistant" panose="00000500000000000000" pitchFamily="2" charset="-79"/>
+                <a:cs typeface="Assistant" panose="00000500000000000000" pitchFamily="2" charset="-79"/>
               </a:rPr>
               <a:t>Send forth thy life, O Zion!</a:t>
             </a:r>
@@ -3571,10 +3615,12 @@
           <a:p>
             <a:pPr algn="ctr"/>
             <a:r>
-              <a:rPr lang="en-US" sz="3600" dirty="0">
+              <a:rPr lang="en-US" sz="2800" spc="50" dirty="0">
                 <a:solidFill>
                   <a:schemeClr val="bg1"/>
                 </a:solidFill>
+                <a:latin typeface="Assistant" panose="00000500000000000000" pitchFamily="2" charset="-79"/>
+                <a:cs typeface="Assistant" panose="00000500000000000000" pitchFamily="2" charset="-79"/>
               </a:rPr>
               <a:t>Not for thyself alone</a:t>
             </a:r>
@@ -3582,10 +3628,12 @@
           <a:p>
             <a:pPr algn="ctr"/>
             <a:r>
-              <a:rPr lang="en-US" sz="3600" dirty="0">
+              <a:rPr lang="en-US" sz="2800" spc="50" dirty="0">
                 <a:solidFill>
                   <a:schemeClr val="bg1"/>
                 </a:solidFill>
+                <a:latin typeface="Assistant" panose="00000500000000000000" pitchFamily="2" charset="-79"/>
+                <a:cs typeface="Assistant" panose="00000500000000000000" pitchFamily="2" charset="-79"/>
               </a:rPr>
               <a:t>Have come lifegiving powers</a:t>
             </a:r>
@@ -3593,29 +3641,35 @@
           <a:p>
             <a:pPr algn="ctr"/>
             <a:r>
-              <a:rPr lang="en-US" sz="3600" dirty="0">
+              <a:rPr lang="en-US" sz="2800" spc="50" dirty="0">
                 <a:solidFill>
                   <a:schemeClr val="bg1"/>
                 </a:solidFill>
+                <a:latin typeface="Assistant" panose="00000500000000000000" pitchFamily="2" charset="-79"/>
+                <a:cs typeface="Assistant" panose="00000500000000000000" pitchFamily="2" charset="-79"/>
               </a:rPr>
               <a:t>By which the soul has grown.</a:t>
             </a:r>
           </a:p>
           <a:p>
             <a:pPr algn="ctr"/>
-            <a:endParaRPr lang="en-US" sz="3600" dirty="0">
+            <a:endParaRPr lang="en-US" sz="2800" spc="50" dirty="0">
               <a:solidFill>
                 <a:schemeClr val="bg1"/>
               </a:solidFill>
+              <a:latin typeface="Assistant" panose="00000500000000000000" pitchFamily="2" charset="-79"/>
+              <a:cs typeface="Assistant" panose="00000500000000000000" pitchFamily="2" charset="-79"/>
             </a:endParaRPr>
           </a:p>
           <a:p>
             <a:pPr algn="ctr"/>
             <a:r>
-              <a:rPr lang="en-US" sz="3600" dirty="0">
+              <a:rPr lang="en-US" sz="2800" spc="50" dirty="0">
                 <a:solidFill>
                   <a:schemeClr val="bg1"/>
                 </a:solidFill>
+                <a:latin typeface="Assistant" panose="00000500000000000000" pitchFamily="2" charset="-79"/>
+                <a:cs typeface="Assistant" panose="00000500000000000000" pitchFamily="2" charset="-79"/>
               </a:rPr>
               <a:t>Out from the city glorious,</a:t>
             </a:r>
@@ -3623,40 +3677,38 @@
           <a:p>
             <a:pPr algn="ctr"/>
             <a:r>
-              <a:rPr lang="en-US" sz="3600">
+              <a:rPr lang="en-US" sz="2800" spc="50" dirty="0">
                 <a:solidFill>
                   <a:schemeClr val="bg1"/>
                 </a:solidFill>
+                <a:latin typeface="Assistant" panose="00000500000000000000" pitchFamily="2" charset="-79"/>
+                <a:cs typeface="Assistant" panose="00000500000000000000" pitchFamily="2" charset="-79"/>
               </a:rPr>
-              <a:t>Well-skilled </a:t>
-            </a:r>
-            <a:r>
-              <a:rPr lang="en-US" sz="3600" dirty="0">
+              <a:t>Well-skilled in hand and mind.</a:t>
+            </a:r>
+          </a:p>
+          <a:p>
+            <a:pPr algn="ctr"/>
+            <a:r>
+              <a:rPr lang="en-US" sz="2800" spc="50" dirty="0">
                 <a:solidFill>
                   <a:schemeClr val="bg1"/>
                 </a:solidFill>
+                <a:latin typeface="Assistant" panose="00000500000000000000" pitchFamily="2" charset="-79"/>
+                <a:cs typeface="Assistant" panose="00000500000000000000" pitchFamily="2" charset="-79"/>
               </a:rPr>
-              <a:t>in hand and mind.</a:t>
+              <a:t>Shall go the heart-born service</a:t>
             </a:r>
           </a:p>
           <a:p>
             <a:pPr algn="ctr"/>
             <a:r>
-              <a:rPr lang="en-US" sz="3600" dirty="0">
+              <a:rPr lang="en-US" sz="2800" spc="50" dirty="0">
                 <a:solidFill>
                   <a:schemeClr val="bg1"/>
                 </a:solidFill>
-              </a:rPr>
-              <a:t>Shall go the heart-born service</a:t>
-            </a:r>
-          </a:p>
-          <a:p>
-            <a:pPr algn="ctr"/>
-            <a:r>
-              <a:rPr lang="en-US" sz="3600" dirty="0">
-                <a:solidFill>
-                  <a:schemeClr val="bg1"/>
-                </a:solidFill>
+                <a:latin typeface="Assistant" panose="00000500000000000000" pitchFamily="2" charset="-79"/>
+                <a:cs typeface="Assistant" panose="00000500000000000000" pitchFamily="2" charset="-79"/>
               </a:rPr>
               <a:t>That will unite mankind.</a:t>
             </a:r>
